--- a/SSH-PLD.pptx
+++ b/SSH-PLD.pptx
@@ -9,6 +9,8 @@
     <p:sldId id="257" r:id="rId3"/>
     <p:sldId id="258" r:id="rId4"/>
     <p:sldId id="259" r:id="rId5"/>
+    <p:sldId id="260" r:id="rId6"/>
+    <p:sldId id="261" r:id="rId7"/>
   </p:sldIdLst>
   <p:sldSz cx="9144000" cy="6858000" type="screen4x3"/>
   <p:notesSz cx="6858000" cy="9144000"/>
@@ -3351,7 +3353,9 @@
         </p:nvSpPr>
         <p:spPr/>
         <p:txBody>
-          <a:bodyPr/>
+          <a:bodyPr>
+            <a:normAutofit fontScale="85000" lnSpcReduction="10000"/>
+          </a:bodyPr>
           <a:lstStyle/>
           <a:p>
             <a:r>
@@ -3366,18 +3370,194 @@
             </a:r>
           </a:p>
           <a:p>
-            <a:pPr>
-              <a:buNone/>
+            <a:pPr marL="514350" indent="-514350">
+              <a:buAutoNum type="arabicPeriod"/>
             </a:pPr>
             <a:r>
               <a:rPr lang="en-US" dirty="0" smtClean="0"/>
-              <a:t>1. The transport layer: provides server authentication, confidentiality </a:t>
-            </a:r>
-            <a:r>
-              <a:rPr lang="en-US" smtClean="0"/>
-              <a:t>and integrity</a:t>
+              <a:t>The transport layer: provides server authentication, confidentiality and integrity</a:t>
+            </a:r>
+          </a:p>
+          <a:p>
+            <a:pPr marL="514350" indent="-514350">
+              <a:buAutoNum type="arabicPeriod"/>
+            </a:pPr>
+            <a:r>
+              <a:rPr lang="en-US" dirty="0" smtClean="0"/>
+              <a:t>The user authentication protocol: validates the user to the server</a:t>
+            </a:r>
+          </a:p>
+          <a:p>
+            <a:pPr marL="514350" indent="-514350">
+              <a:buAutoNum type="arabicPeriod"/>
+            </a:pPr>
+            <a:r>
+              <a:rPr lang="en-US" dirty="0" smtClean="0"/>
+              <a:t>Connection protocol: multiplexes the encrypted tunnel into multiple logical communication channels</a:t>
             </a:r>
             <a:endParaRPr lang="en-US" dirty="0"/>
+          </a:p>
+        </p:txBody>
+      </p:sp>
+    </p:spTree>
+  </p:cSld>
+  <p:clrMapOvr>
+    <a:masterClrMapping/>
+  </p:clrMapOvr>
+</p:sld>
+</file>
+
+<file path=ppt/slides/slide5.xml><?xml version="1.0" encoding="utf-8"?>
+<p:sld xmlns:a="http://schemas.openxmlformats.org/drawingml/2006/main" xmlns:r="http://schemas.openxmlformats.org/officeDocument/2006/relationships" xmlns:p="http://schemas.openxmlformats.org/presentationml/2006/main">
+  <p:cSld>
+    <p:spTree>
+      <p:nvGrpSpPr>
+        <p:cNvPr id="1" name=""/>
+        <p:cNvGrpSpPr/>
+        <p:nvPr/>
+      </p:nvGrpSpPr>
+      <p:grpSpPr>
+        <a:xfrm>
+          <a:off x="0" y="0"/>
+          <a:ext cx="0" cy="0"/>
+          <a:chOff x="0" y="0"/>
+          <a:chExt cx="0" cy="0"/>
+        </a:xfrm>
+      </p:grpSpPr>
+      <p:sp>
+        <p:nvSpPr>
+          <p:cNvPr id="2" name="Title 1"/>
+          <p:cNvSpPr>
+            <a:spLocks noGrp="1"/>
+          </p:cNvSpPr>
+          <p:nvPr>
+            <p:ph type="title"/>
+          </p:nvPr>
+        </p:nvSpPr>
+        <p:spPr/>
+        <p:txBody>
+          <a:bodyPr/>
+          <a:lstStyle/>
+          <a:p>
+            <a:r>
+              <a:rPr lang="en-US" dirty="0" smtClean="0"/>
+              <a:t>Background	</a:t>
+            </a:r>
+            <a:endParaRPr lang="en-US" dirty="0"/>
+          </a:p>
+        </p:txBody>
+      </p:sp>
+      <p:sp>
+        <p:nvSpPr>
+          <p:cNvPr id="3" name="Content Placeholder 2"/>
+          <p:cNvSpPr>
+            <a:spLocks noGrp="1"/>
+          </p:cNvSpPr>
+          <p:nvPr>
+            <p:ph idx="1"/>
+          </p:nvPr>
+        </p:nvSpPr>
+        <p:spPr/>
+        <p:txBody>
+          <a:bodyPr>
+            <a:normAutofit fontScale="92500" lnSpcReduction="20000"/>
+          </a:bodyPr>
+          <a:lstStyle/>
+          <a:p>
+            <a:r>
+              <a:rPr lang="en-US" dirty="0" smtClean="0"/>
+              <a:t>It was developed in 1995, as a replacement for remote connectors like Telnet, Remote shell (</a:t>
+            </a:r>
+            <a:r>
+              <a:rPr lang="en-US" dirty="0" err="1"/>
+              <a:t>R</a:t>
+            </a:r>
+            <a:r>
+              <a:rPr lang="en-US" dirty="0" err="1" smtClean="0"/>
+              <a:t>sh</a:t>
+            </a:r>
+            <a:r>
+              <a:rPr lang="en-US" dirty="0" smtClean="0"/>
+              <a:t>), rlogin and </a:t>
+            </a:r>
+            <a:r>
+              <a:rPr lang="en-US" dirty="0" err="1" smtClean="0"/>
+              <a:t>rexec</a:t>
+            </a:r>
+            <a:r>
+              <a:rPr lang="en-US" dirty="0" smtClean="0"/>
+              <a:t> protocols, because they used plain-text transmission of authentication tokens.</a:t>
+            </a:r>
+          </a:p>
+          <a:p>
+            <a:r>
+              <a:rPr lang="en-US" dirty="0" smtClean="0"/>
+              <a:t>It uses public key cryptography, which in its simplest manner, involves both ends of a communication channel using an automatically generated public-private key pair to encrypt a network connection, then using a password to authenticate the user.</a:t>
+            </a:r>
+            <a:endParaRPr lang="en-US" dirty="0"/>
+          </a:p>
+        </p:txBody>
+      </p:sp>
+    </p:spTree>
+  </p:cSld>
+  <p:clrMapOvr>
+    <a:masterClrMapping/>
+  </p:clrMapOvr>
+</p:sld>
+</file>
+
+<file path=ppt/slides/slide6.xml><?xml version="1.0" encoding="utf-8"?>
+<p:sld xmlns:a="http://schemas.openxmlformats.org/drawingml/2006/main" xmlns:r="http://schemas.openxmlformats.org/officeDocument/2006/relationships" xmlns:p="http://schemas.openxmlformats.org/presentationml/2006/main">
+  <p:cSld>
+    <p:spTree>
+      <p:nvGrpSpPr>
+        <p:cNvPr id="1" name=""/>
+        <p:cNvGrpSpPr/>
+        <p:nvPr/>
+      </p:nvGrpSpPr>
+      <p:grpSpPr>
+        <a:xfrm>
+          <a:off x="0" y="0"/>
+          <a:ext cx="0" cy="0"/>
+          <a:chOff x="0" y="0"/>
+          <a:chExt cx="0" cy="0"/>
+        </a:xfrm>
+      </p:grpSpPr>
+      <p:sp>
+        <p:nvSpPr>
+          <p:cNvPr id="2" name="Title 1"/>
+          <p:cNvSpPr>
+            <a:spLocks noGrp="1"/>
+          </p:cNvSpPr>
+          <p:nvPr>
+            <p:ph type="title"/>
+          </p:nvPr>
+        </p:nvSpPr>
+        <p:spPr/>
+        <p:txBody>
+          <a:bodyPr/>
+          <a:lstStyle/>
+          <a:p>
+            <a:endParaRPr lang="en-US"/>
+          </a:p>
+        </p:txBody>
+      </p:sp>
+      <p:sp>
+        <p:nvSpPr>
+          <p:cNvPr id="3" name="Content Placeholder 2"/>
+          <p:cNvSpPr>
+            <a:spLocks noGrp="1"/>
+          </p:cNvSpPr>
+          <p:nvPr>
+            <p:ph idx="1"/>
+          </p:nvPr>
+        </p:nvSpPr>
+        <p:spPr/>
+        <p:txBody>
+          <a:bodyPr/>
+          <a:lstStyle/>
+          <a:p>
+            <a:endParaRPr lang="en-US"/>
           </a:p>
         </p:txBody>
       </p:sp>

--- a/SSH-PLD.pptx
+++ b/SSH-PLD.pptx
@@ -11,6 +11,10 @@
     <p:sldId id="259" r:id="rId5"/>
     <p:sldId id="260" r:id="rId6"/>
     <p:sldId id="261" r:id="rId7"/>
+    <p:sldId id="262" r:id="rId8"/>
+    <p:sldId id="263" r:id="rId9"/>
+    <p:sldId id="264" r:id="rId10"/>
+    <p:sldId id="265" r:id="rId11"/>
   </p:sldIdLst>
   <p:sldSz cx="9144000" cy="6858000" type="screen4x3"/>
   <p:notesSz cx="6858000" cy="9144000"/>
@@ -3114,6 +3118,171 @@
 </p:sld>
 </file>
 
+<file path=ppt/slides/slide10.xml><?xml version="1.0" encoding="utf-8"?>
+<p:sld xmlns:a="http://schemas.openxmlformats.org/drawingml/2006/main" xmlns:r="http://schemas.openxmlformats.org/officeDocument/2006/relationships" xmlns:p="http://schemas.openxmlformats.org/presentationml/2006/main">
+  <p:cSld>
+    <p:spTree>
+      <p:nvGrpSpPr>
+        <p:cNvPr id="1" name=""/>
+        <p:cNvGrpSpPr/>
+        <p:nvPr/>
+      </p:nvGrpSpPr>
+      <p:grpSpPr>
+        <a:xfrm>
+          <a:off x="0" y="0"/>
+          <a:ext cx="0" cy="0"/>
+          <a:chOff x="0" y="0"/>
+          <a:chExt cx="0" cy="0"/>
+        </a:xfrm>
+      </p:grpSpPr>
+      <p:sp>
+        <p:nvSpPr>
+          <p:cNvPr id="2" name="Title 1"/>
+          <p:cNvSpPr>
+            <a:spLocks noGrp="1"/>
+          </p:cNvSpPr>
+          <p:nvPr>
+            <p:ph type="title"/>
+          </p:nvPr>
+        </p:nvSpPr>
+        <p:spPr/>
+        <p:txBody>
+          <a:bodyPr/>
+          <a:lstStyle/>
+          <a:p>
+            <a:r>
+              <a:rPr lang="en-US" dirty="0" smtClean="0"/>
+              <a:t>processes</a:t>
+            </a:r>
+            <a:endParaRPr lang="en-US" dirty="0"/>
+          </a:p>
+        </p:txBody>
+      </p:sp>
+      <p:sp>
+        <p:nvSpPr>
+          <p:cNvPr id="3" name="Content Placeholder 2"/>
+          <p:cNvSpPr>
+            <a:spLocks noGrp="1"/>
+          </p:cNvSpPr>
+          <p:nvPr>
+            <p:ph idx="1"/>
+          </p:nvPr>
+        </p:nvSpPr>
+        <p:spPr/>
+        <p:txBody>
+          <a:bodyPr>
+            <a:normAutofit lnSpcReduction="10000"/>
+          </a:bodyPr>
+          <a:lstStyle/>
+          <a:p>
+            <a:pPr>
+              <a:buNone/>
+            </a:pPr>
+            <a:r>
+              <a:rPr lang="en-US" b="1" dirty="0" smtClean="0"/>
+              <a:t>ssh-copy-id:</a:t>
+            </a:r>
+            <a:r>
+              <a:rPr lang="en-US" dirty="0" smtClean="0"/>
+              <a:t> to copy public key to remote server</a:t>
+            </a:r>
+          </a:p>
+          <a:p>
+            <a:pPr>
+              <a:buNone/>
+            </a:pPr>
+            <a:r>
+              <a:rPr lang="en-US" dirty="0" smtClean="0"/>
+              <a:t>There are alternatives to this</a:t>
+            </a:r>
+          </a:p>
+          <a:p>
+            <a:pPr>
+              <a:buNone/>
+            </a:pPr>
+            <a:r>
+              <a:rPr lang="en-US" b="1" dirty="0" smtClean="0"/>
+              <a:t>ssh-add</a:t>
+            </a:r>
+            <a:r>
+              <a:rPr lang="en-US" dirty="0" smtClean="0"/>
+              <a:t>: for ssh agent, to keep your passphrase</a:t>
+            </a:r>
+          </a:p>
+          <a:p>
+            <a:pPr>
+              <a:buNone/>
+            </a:pPr>
+            <a:r>
+              <a:rPr lang="en-US" b="1" dirty="0" smtClean="0"/>
+              <a:t>ssh</a:t>
+            </a:r>
+            <a:r>
+              <a:rPr lang="en-US" dirty="0" smtClean="0"/>
+              <a:t>: The command to establish connection</a:t>
+            </a:r>
+          </a:p>
+          <a:p>
+            <a:r>
+              <a:rPr lang="en-US" b="1" dirty="0" err="1" smtClean="0"/>
+              <a:t>i</a:t>
+            </a:r>
+            <a:r>
+              <a:rPr lang="en-US" b="1" dirty="0" smtClean="0"/>
+              <a:t>:</a:t>
+            </a:r>
+            <a:r>
+              <a:rPr lang="en-US" dirty="0" smtClean="0"/>
+              <a:t> used to specify a different identity file</a:t>
+            </a:r>
+          </a:p>
+          <a:p>
+            <a:r>
+              <a:rPr lang="en-US" b="1" dirty="0" smtClean="0"/>
+              <a:t>v:</a:t>
+            </a:r>
+            <a:r>
+              <a:rPr lang="en-US" dirty="0" smtClean="0"/>
+              <a:t> used to log out the connection process</a:t>
+            </a:r>
+          </a:p>
+          <a:p>
+            <a:pPr>
+              <a:buNone/>
+            </a:pPr>
+            <a:r>
+              <a:rPr lang="en-US" b="1" dirty="0" smtClean="0"/>
+              <a:t>Format</a:t>
+            </a:r>
+          </a:p>
+          <a:p>
+            <a:pPr>
+              <a:buNone/>
+            </a:pPr>
+            <a:r>
+              <a:rPr lang="en-US" b="1" dirty="0" smtClean="0">
+                <a:solidFill>
+                  <a:srgbClr val="FF0000"/>
+                </a:solidFill>
+              </a:rPr>
+              <a:t>ssh username@host-ip</a:t>
+            </a:r>
+            <a:endParaRPr lang="en-US" b="1" dirty="0">
+              <a:solidFill>
+                <a:srgbClr val="FF0000"/>
+              </a:solidFill>
+            </a:endParaRPr>
+          </a:p>
+        </p:txBody>
+      </p:sp>
+    </p:spTree>
+  </p:cSld>
+  <p:clrMapOvr>
+    <a:masterClrMapping/>
+  </p:clrMapOvr>
+</p:sld>
+</file>
+
 <file path=ppt/slides/slide2.xml><?xml version="1.0" encoding="utf-8"?>
 <p:sld xmlns:a="http://schemas.openxmlformats.org/drawingml/2006/main" xmlns:r="http://schemas.openxmlformats.org/officeDocument/2006/relationships" xmlns:p="http://schemas.openxmlformats.org/presentationml/2006/main">
   <p:cSld>
@@ -3538,7 +3707,11 @@
           <a:bodyPr/>
           <a:lstStyle/>
           <a:p>
-            <a:endParaRPr lang="en-US"/>
+            <a:r>
+              <a:rPr lang="en-US" dirty="0" smtClean="0"/>
+              <a:t>Key validity and safety</a:t>
+            </a:r>
+            <a:endParaRPr lang="en-US" dirty="0"/>
           </a:p>
         </p:txBody>
       </p:sp>
@@ -3554,10 +3727,471 @@
         </p:nvSpPr>
         <p:spPr/>
         <p:txBody>
-          <a:bodyPr/>
-          <a:lstStyle/>
-          <a:p>
-            <a:endParaRPr lang="en-US"/>
+          <a:bodyPr>
+            <a:normAutofit fontScale="92500"/>
+          </a:bodyPr>
+          <a:lstStyle/>
+          <a:p>
+            <a:r>
+              <a:rPr lang="en-US" dirty="0" smtClean="0"/>
+              <a:t>Authorized public keys are stored in </a:t>
+            </a:r>
+            <a:r>
+              <a:rPr lang="en-US" dirty="0" smtClean="0">
+                <a:solidFill>
+                  <a:srgbClr val="FF0000"/>
+                </a:solidFill>
+              </a:rPr>
+              <a:t>~/.</a:t>
+            </a:r>
+            <a:r>
+              <a:rPr lang="en-US" dirty="0" err="1" smtClean="0">
+                <a:solidFill>
+                  <a:srgbClr val="FF0000"/>
+                </a:solidFill>
+              </a:rPr>
+              <a:t>ssh</a:t>
+            </a:r>
+            <a:r>
+              <a:rPr lang="en-US" dirty="0" smtClean="0">
+                <a:solidFill>
+                  <a:srgbClr val="FF0000"/>
+                </a:solidFill>
+              </a:rPr>
+              <a:t>/</a:t>
+            </a:r>
+            <a:r>
+              <a:rPr lang="en-US" dirty="0" err="1" smtClean="0">
+                <a:solidFill>
+                  <a:srgbClr val="FF0000"/>
+                </a:solidFill>
+              </a:rPr>
+              <a:t>authorized_keys</a:t>
+            </a:r>
+            <a:r>
+              <a:rPr lang="en-US" dirty="0" smtClean="0"/>
+              <a:t>. The file is respected by SSH only if it is not writable by anything apart from the owner and root.</a:t>
+            </a:r>
+          </a:p>
+          <a:p>
+            <a:r>
+              <a:rPr lang="en-US" dirty="0" smtClean="0"/>
+              <a:t>Private keys on the local machine can be locked with a passphrase, for additional security.</a:t>
+            </a:r>
+          </a:p>
+          <a:p>
+            <a:r>
+              <a:rPr lang="en-US" dirty="0" smtClean="0"/>
+              <a:t>Man in the middle attack can only happen in password-based authentication if the two sides have never authenticated before.</a:t>
+            </a:r>
+            <a:endParaRPr lang="en-US" dirty="0"/>
+          </a:p>
+        </p:txBody>
+      </p:sp>
+    </p:spTree>
+  </p:cSld>
+  <p:clrMapOvr>
+    <a:masterClrMapping/>
+  </p:clrMapOvr>
+</p:sld>
+</file>
+
+<file path=ppt/slides/slide7.xml><?xml version="1.0" encoding="utf-8"?>
+<p:sld xmlns:a="http://schemas.openxmlformats.org/drawingml/2006/main" xmlns:r="http://schemas.openxmlformats.org/officeDocument/2006/relationships" xmlns:p="http://schemas.openxmlformats.org/presentationml/2006/main">
+  <p:cSld>
+    <p:spTree>
+      <p:nvGrpSpPr>
+        <p:cNvPr id="1" name=""/>
+        <p:cNvGrpSpPr/>
+        <p:nvPr/>
+      </p:nvGrpSpPr>
+      <p:grpSpPr>
+        <a:xfrm>
+          <a:off x="0" y="0"/>
+          <a:ext cx="0" cy="0"/>
+          <a:chOff x="0" y="0"/>
+          <a:chExt cx="0" cy="0"/>
+        </a:xfrm>
+      </p:grpSpPr>
+      <p:sp>
+        <p:nvSpPr>
+          <p:cNvPr id="2" name="Title 1"/>
+          <p:cNvSpPr>
+            <a:spLocks noGrp="1"/>
+          </p:cNvSpPr>
+          <p:nvPr>
+            <p:ph type="title"/>
+          </p:nvPr>
+        </p:nvSpPr>
+        <p:spPr/>
+        <p:txBody>
+          <a:bodyPr/>
+          <a:lstStyle/>
+          <a:p>
+            <a:r>
+              <a:rPr lang="en-US" dirty="0" smtClean="0"/>
+              <a:t>Uses</a:t>
+            </a:r>
+            <a:endParaRPr lang="en-US" dirty="0"/>
+          </a:p>
+        </p:txBody>
+      </p:sp>
+      <p:sp>
+        <p:nvSpPr>
+          <p:cNvPr id="3" name="Content Placeholder 2"/>
+          <p:cNvSpPr>
+            <a:spLocks noGrp="1"/>
+          </p:cNvSpPr>
+          <p:nvPr>
+            <p:ph idx="1"/>
+          </p:nvPr>
+        </p:nvSpPr>
+        <p:spPr/>
+        <p:txBody>
+          <a:bodyPr/>
+          <a:lstStyle/>
+          <a:p>
+            <a:r>
+              <a:rPr lang="en-US" dirty="0" smtClean="0"/>
+              <a:t>Login to a shell on the remote server</a:t>
+            </a:r>
+          </a:p>
+          <a:p>
+            <a:r>
+              <a:rPr lang="en-US" dirty="0" smtClean="0"/>
+              <a:t>Execute a single command on a remote server</a:t>
+            </a:r>
+          </a:p>
+          <a:p>
+            <a:r>
+              <a:rPr lang="en-US" dirty="0" smtClean="0"/>
+              <a:t>File transfer protocols: SCP, SFTP</a:t>
+            </a:r>
+          </a:p>
+          <a:p>
+            <a:r>
+              <a:rPr lang="en-US" dirty="0" smtClean="0"/>
+              <a:t>Tunneling</a:t>
+            </a:r>
+          </a:p>
+          <a:p>
+            <a:r>
+              <a:rPr lang="en-US" dirty="0" smtClean="0"/>
+              <a:t>Port forwarding</a:t>
+            </a:r>
+            <a:endParaRPr lang="en-US" dirty="0"/>
+          </a:p>
+        </p:txBody>
+      </p:sp>
+    </p:spTree>
+  </p:cSld>
+  <p:clrMapOvr>
+    <a:masterClrMapping/>
+  </p:clrMapOvr>
+</p:sld>
+</file>
+
+<file path=ppt/slides/slide8.xml><?xml version="1.0" encoding="utf-8"?>
+<p:sld xmlns:a="http://schemas.openxmlformats.org/drawingml/2006/main" xmlns:r="http://schemas.openxmlformats.org/officeDocument/2006/relationships" xmlns:p="http://schemas.openxmlformats.org/presentationml/2006/main">
+  <p:cSld>
+    <p:spTree>
+      <p:nvGrpSpPr>
+        <p:cNvPr id="1" name=""/>
+        <p:cNvGrpSpPr/>
+        <p:nvPr/>
+      </p:nvGrpSpPr>
+      <p:grpSpPr>
+        <a:xfrm>
+          <a:off x="0" y="0"/>
+          <a:ext cx="0" cy="0"/>
+          <a:chOff x="0" y="0"/>
+          <a:chExt cx="0" cy="0"/>
+        </a:xfrm>
+      </p:grpSpPr>
+      <p:sp>
+        <p:nvSpPr>
+          <p:cNvPr id="2" name="Title 1"/>
+          <p:cNvSpPr>
+            <a:spLocks noGrp="1"/>
+          </p:cNvSpPr>
+          <p:nvPr>
+            <p:ph type="title"/>
+          </p:nvPr>
+        </p:nvSpPr>
+        <p:spPr/>
+        <p:txBody>
+          <a:bodyPr/>
+          <a:lstStyle/>
+          <a:p>
+            <a:r>
+              <a:rPr lang="en-US" dirty="0" smtClean="0"/>
+              <a:t>Cryptography Algorithms</a:t>
+            </a:r>
+            <a:endParaRPr lang="en-US" dirty="0"/>
+          </a:p>
+        </p:txBody>
+      </p:sp>
+      <p:sp>
+        <p:nvSpPr>
+          <p:cNvPr id="3" name="Content Placeholder 2"/>
+          <p:cNvSpPr>
+            <a:spLocks noGrp="1"/>
+          </p:cNvSpPr>
+          <p:nvPr>
+            <p:ph idx="1"/>
+          </p:nvPr>
+        </p:nvSpPr>
+        <p:spPr/>
+        <p:txBody>
+          <a:bodyPr>
+            <a:normAutofit fontScale="92500" lnSpcReduction="20000"/>
+          </a:bodyPr>
+          <a:lstStyle/>
+          <a:p>
+            <a:pPr>
+              <a:buNone/>
+            </a:pPr>
+            <a:r>
+              <a:rPr lang="en-US" b="1" dirty="0" smtClean="0"/>
+              <a:t>Symmetric:</a:t>
+            </a:r>
+            <a:r>
+              <a:rPr lang="en-US" dirty="0" smtClean="0"/>
+              <a:t> </a:t>
+            </a:r>
+          </a:p>
+          <a:p>
+            <a:pPr marL="514350" indent="-514350">
+              <a:buAutoNum type="arabicPeriod"/>
+            </a:pPr>
+            <a:r>
+              <a:rPr lang="en-US" dirty="0" smtClean="0"/>
+              <a:t>Diffie-Hellman key exchange</a:t>
+            </a:r>
+          </a:p>
+          <a:p>
+            <a:pPr marL="514350" indent="-514350">
+              <a:buNone/>
+            </a:pPr>
+            <a:endParaRPr lang="en-US" dirty="0" smtClean="0"/>
+          </a:p>
+          <a:p>
+            <a:pPr>
+              <a:buNone/>
+            </a:pPr>
+            <a:r>
+              <a:rPr lang="en-US" b="1" dirty="0" smtClean="0"/>
+              <a:t>Asymmetric: </a:t>
+            </a:r>
+          </a:p>
+          <a:p>
+            <a:pPr marL="514350" indent="-514350">
+              <a:buAutoNum type="arabicPeriod"/>
+            </a:pPr>
+            <a:r>
+              <a:rPr lang="en-US" dirty="0" smtClean="0"/>
+              <a:t>RSA: Rivest-Shamir-</a:t>
+            </a:r>
+            <a:r>
+              <a:rPr lang="en-US" dirty="0" err="1" smtClean="0"/>
+              <a:t>Adleman</a:t>
+            </a:r>
+            <a:r>
+              <a:rPr lang="en-US" dirty="0" smtClean="0"/>
+              <a:t> </a:t>
+            </a:r>
+          </a:p>
+          <a:p>
+            <a:pPr marL="514350" indent="-514350">
+              <a:buAutoNum type="arabicPeriod"/>
+            </a:pPr>
+            <a:r>
+              <a:rPr lang="en-US" dirty="0" smtClean="0"/>
+              <a:t>EcDSA: Elliptical curve Digital Signature Algorithm</a:t>
+            </a:r>
+          </a:p>
+          <a:p>
+            <a:pPr marL="514350" indent="-514350">
+              <a:buAutoNum type="arabicPeriod"/>
+            </a:pPr>
+            <a:r>
+              <a:rPr lang="en-US" dirty="0" smtClean="0"/>
+              <a:t>EdDSA: Edwards-curve Digital Signature Algorithm </a:t>
+            </a:r>
+          </a:p>
+          <a:p>
+            <a:pPr marL="514350" indent="-514350">
+              <a:buAutoNum type="arabicPeriod"/>
+            </a:pPr>
+            <a:r>
+              <a:rPr lang="en-US" dirty="0" smtClean="0"/>
+              <a:t>DSA: Digital Signature Algorithm</a:t>
+            </a:r>
+            <a:endParaRPr lang="en-US" dirty="0"/>
+          </a:p>
+        </p:txBody>
+      </p:sp>
+    </p:spTree>
+  </p:cSld>
+  <p:clrMapOvr>
+    <a:masterClrMapping/>
+  </p:clrMapOvr>
+</p:sld>
+</file>
+
+<file path=ppt/slides/slide9.xml><?xml version="1.0" encoding="utf-8"?>
+<p:sld xmlns:a="http://schemas.openxmlformats.org/drawingml/2006/main" xmlns:r="http://schemas.openxmlformats.org/officeDocument/2006/relationships" xmlns:p="http://schemas.openxmlformats.org/presentationml/2006/main">
+  <p:cSld>
+    <p:spTree>
+      <p:nvGrpSpPr>
+        <p:cNvPr id="1" name=""/>
+        <p:cNvGrpSpPr/>
+        <p:nvPr/>
+      </p:nvGrpSpPr>
+      <p:grpSpPr>
+        <a:xfrm>
+          <a:off x="0" y="0"/>
+          <a:ext cx="0" cy="0"/>
+          <a:chOff x="0" y="0"/>
+          <a:chExt cx="0" cy="0"/>
+        </a:xfrm>
+      </p:grpSpPr>
+      <p:sp>
+        <p:nvSpPr>
+          <p:cNvPr id="2" name="Title 1"/>
+          <p:cNvSpPr>
+            <a:spLocks noGrp="1"/>
+          </p:cNvSpPr>
+          <p:nvPr>
+            <p:ph type="title"/>
+          </p:nvPr>
+        </p:nvSpPr>
+        <p:spPr/>
+        <p:txBody>
+          <a:bodyPr/>
+          <a:lstStyle/>
+          <a:p>
+            <a:r>
+              <a:rPr lang="en-US" dirty="0" smtClean="0"/>
+              <a:t>Processes</a:t>
+            </a:r>
+            <a:endParaRPr lang="en-US" dirty="0"/>
+          </a:p>
+        </p:txBody>
+      </p:sp>
+      <p:sp>
+        <p:nvSpPr>
+          <p:cNvPr id="3" name="Content Placeholder 2"/>
+          <p:cNvSpPr>
+            <a:spLocks noGrp="1"/>
+          </p:cNvSpPr>
+          <p:nvPr>
+            <p:ph idx="1"/>
+          </p:nvPr>
+        </p:nvSpPr>
+        <p:spPr/>
+        <p:txBody>
+          <a:bodyPr>
+            <a:normAutofit fontScale="92500" lnSpcReduction="20000"/>
+          </a:bodyPr>
+          <a:lstStyle/>
+          <a:p>
+            <a:pPr marL="514350" indent="-514350">
+              <a:buAutoNum type="arabicPeriod"/>
+            </a:pPr>
+            <a:r>
+              <a:rPr lang="en-US" b="1" dirty="0" smtClean="0"/>
+              <a:t>Generating key pair: </a:t>
+            </a:r>
+          </a:p>
+          <a:p>
+            <a:pPr marL="514350" indent="-514350">
+              <a:buNone/>
+            </a:pPr>
+            <a:r>
+              <a:rPr lang="en-US" b="1" dirty="0" smtClean="0">
+                <a:solidFill>
+                  <a:srgbClr val="FF0000"/>
+                </a:solidFill>
+              </a:rPr>
+              <a:t>ssh-keygen [options] [value]</a:t>
+            </a:r>
+          </a:p>
+          <a:p>
+            <a:pPr marL="514350" indent="-514350">
+              <a:buNone/>
+            </a:pPr>
+            <a:r>
+              <a:rPr lang="en-US" dirty="0" smtClean="0"/>
+              <a:t>The value depends on the option</a:t>
+            </a:r>
+          </a:p>
+          <a:p>
+            <a:pPr marL="514350" indent="-514350"/>
+            <a:r>
+              <a:rPr lang="en-US" b="1" dirty="0" smtClean="0"/>
+              <a:t>b</a:t>
+            </a:r>
+            <a:r>
+              <a:rPr lang="en-US" dirty="0" smtClean="0"/>
+              <a:t>: to specify the bits</a:t>
+            </a:r>
+          </a:p>
+          <a:p>
+            <a:pPr marL="514350" indent="-514350"/>
+            <a:r>
+              <a:rPr lang="en-US" b="1" dirty="0" smtClean="0"/>
+              <a:t>t</a:t>
+            </a:r>
+            <a:r>
+              <a:rPr lang="en-US" dirty="0" smtClean="0"/>
+              <a:t>: to specify the type of algorithm to use</a:t>
+            </a:r>
+          </a:p>
+          <a:p>
+            <a:pPr marL="514350" indent="-514350"/>
+            <a:r>
+              <a:rPr lang="en-US" b="1" dirty="0" smtClean="0"/>
+              <a:t>N</a:t>
+            </a:r>
+            <a:r>
+              <a:rPr lang="en-US" dirty="0" smtClean="0"/>
+              <a:t>: to specify the passphrase</a:t>
+            </a:r>
+          </a:p>
+          <a:p>
+            <a:pPr marL="514350" indent="-514350"/>
+            <a:r>
+              <a:rPr lang="en-US" b="1" dirty="0" smtClean="0"/>
+              <a:t>p</a:t>
+            </a:r>
+            <a:r>
+              <a:rPr lang="en-US" dirty="0" smtClean="0"/>
+              <a:t>: to change or remove passphrase</a:t>
+            </a:r>
+          </a:p>
+          <a:p>
+            <a:pPr marL="514350" indent="-514350"/>
+            <a:r>
+              <a:rPr lang="en-US" b="1" dirty="0" smtClean="0"/>
+              <a:t>f</a:t>
+            </a:r>
+            <a:r>
+              <a:rPr lang="en-US" dirty="0" smtClean="0"/>
+              <a:t>: to specify the file the private key would be stored in</a:t>
+            </a:r>
+          </a:p>
+          <a:p>
+            <a:pPr marL="514350" indent="-514350"/>
+            <a:r>
+              <a:rPr lang="en-US" b="1" dirty="0" smtClean="0"/>
+              <a:t>l</a:t>
+            </a:r>
+            <a:r>
+              <a:rPr lang="en-US" dirty="0" smtClean="0"/>
+              <a:t>: to see the key-fingerprint of a created key</a:t>
+            </a:r>
+            <a:endParaRPr lang="en-US" dirty="0"/>
           </a:p>
         </p:txBody>
       </p:sp>
